--- a/PowerPoint/03 - Context-Free Grammars.pptx
+++ b/PowerPoint/03 - Context-Free Grammars.pptx
@@ -8005,7 +8005,7 @@
           <a:p>
             <a:r>
               <a:rPr lang="en-US" dirty="0"/>
-              <a:t>Example</a:t>
+              <a:t>Two recognizers</a:t>
             </a:r>
           </a:p>
           <a:p>

--- a/PowerPoint/03 - Context-Free Grammars.pptx
+++ b/PowerPoint/03 - Context-Free Grammars.pptx
@@ -11972,7 +11972,7 @@
           <a:p>
             <a:r>
               <a:rPr lang="en-US" dirty="0"/>
-              <a:t>We can replace these alternatives by the following equivalent expression:</a:t>
+              <a:t>We can replace these alternatives with the following equivalent expression:</a:t>
             </a:r>
             <a:br>
               <a:rPr lang="en-US" dirty="0"/>
